--- a/Semana 15/Presentación.pptx
+++ b/Semana 15/Presentación.pptx
@@ -5,7 +5,7 @@
     <p:sldMasterId id="2147483672" r:id="rId1"/>
   </p:sldMasterIdLst>
   <p:notesMasterIdLst>
-    <p:notesMasterId r:id="rId7"/>
+    <p:notesMasterId r:id="rId20"/>
   </p:notesMasterIdLst>
   <p:sldIdLst>
     <p:sldId id="256" r:id="rId2"/>
@@ -13,6 +13,19 @@
     <p:sldId id="356" r:id="rId4"/>
     <p:sldId id="357" r:id="rId5"/>
     <p:sldId id="353" r:id="rId6"/>
+    <p:sldId id="358" r:id="rId7"/>
+    <p:sldId id="359" r:id="rId8"/>
+    <p:sldId id="360" r:id="rId9"/>
+    <p:sldId id="361" r:id="rId10"/>
+    <p:sldId id="362" r:id="rId11"/>
+    <p:sldId id="363" r:id="rId12"/>
+    <p:sldId id="364" r:id="rId13"/>
+    <p:sldId id="365" r:id="rId14"/>
+    <p:sldId id="366" r:id="rId15"/>
+    <p:sldId id="367" r:id="rId16"/>
+    <p:sldId id="368" r:id="rId17"/>
+    <p:sldId id="369" r:id="rId18"/>
+    <p:sldId id="370" r:id="rId19"/>
   </p:sldIdLst>
   <p:sldSz cx="12192000" cy="6858000"/>
   <p:notesSz cx="6858000" cy="9144000"/>
@@ -201,7 +214,7 @@
           <a:p>
             <a:fld id="{430AAACB-714D-4ED6-9BCD-E10DE1E326CF}" type="datetimeFigureOut">
               <a:rPr lang="es-CO" smtClean="0"/>
-              <a:t>6/05/2019</a:t>
+              <a:t>9/05/2019</a:t>
             </a:fld>
             <a:endParaRPr lang="es-CO"/>
           </a:p>
@@ -695,7 +708,7 @@
           <a:p>
             <a:fld id="{C214C790-AC43-4046-BAB7-879940BCF0AB}" type="datetimeFigureOut">
               <a:rPr lang="es-CO" smtClean="0"/>
-              <a:t>6/05/2019</a:t>
+              <a:t>9/05/2019</a:t>
             </a:fld>
             <a:endParaRPr lang="es-CO"/>
           </a:p>
@@ -903,7 +916,7 @@
           <a:p>
             <a:fld id="{C214C790-AC43-4046-BAB7-879940BCF0AB}" type="datetimeFigureOut">
               <a:rPr lang="es-CO" smtClean="0"/>
-              <a:t>6/05/2019</a:t>
+              <a:t>9/05/2019</a:t>
             </a:fld>
             <a:endParaRPr lang="es-CO"/>
           </a:p>
@@ -1159,7 +1172,7 @@
           <a:p>
             <a:fld id="{C214C790-AC43-4046-BAB7-879940BCF0AB}" type="datetimeFigureOut">
               <a:rPr lang="es-CO" smtClean="0"/>
-              <a:t>6/05/2019</a:t>
+              <a:t>9/05/2019</a:t>
             </a:fld>
             <a:endParaRPr lang="es-CO"/>
           </a:p>
@@ -1329,7 +1342,7 @@
           <a:p>
             <a:fld id="{C214C790-AC43-4046-BAB7-879940BCF0AB}" type="datetimeFigureOut">
               <a:rPr lang="es-CO" smtClean="0"/>
-              <a:t>6/05/2019</a:t>
+              <a:t>9/05/2019</a:t>
             </a:fld>
             <a:endParaRPr lang="es-CO"/>
           </a:p>
@@ -1672,7 +1685,7 @@
           <a:p>
             <a:fld id="{C214C790-AC43-4046-BAB7-879940BCF0AB}" type="datetimeFigureOut">
               <a:rPr lang="es-CO" smtClean="0"/>
-              <a:t>6/05/2019</a:t>
+              <a:t>9/05/2019</a:t>
             </a:fld>
             <a:endParaRPr lang="es-CO"/>
           </a:p>
@@ -1947,7 +1960,7 @@
           <a:p>
             <a:fld id="{C214C790-AC43-4046-BAB7-879940BCF0AB}" type="datetimeFigureOut">
               <a:rPr lang="es-CO" smtClean="0"/>
-              <a:t>6/05/2019</a:t>
+              <a:t>9/05/2019</a:t>
             </a:fld>
             <a:endParaRPr lang="es-CO"/>
           </a:p>
@@ -2326,7 +2339,7 @@
           <a:p>
             <a:fld id="{C214C790-AC43-4046-BAB7-879940BCF0AB}" type="datetimeFigureOut">
               <a:rPr lang="es-CO" smtClean="0"/>
-              <a:t>6/05/2019</a:t>
+              <a:t>9/05/2019</a:t>
             </a:fld>
             <a:endParaRPr lang="es-CO"/>
           </a:p>
@@ -2444,7 +2457,7 @@
           <a:p>
             <a:fld id="{C214C790-AC43-4046-BAB7-879940BCF0AB}" type="datetimeFigureOut">
               <a:rPr lang="es-CO" smtClean="0"/>
-              <a:t>6/05/2019</a:t>
+              <a:t>9/05/2019</a:t>
             </a:fld>
             <a:endParaRPr lang="es-CO"/>
           </a:p>
@@ -2615,7 +2628,7 @@
           <a:p>
             <a:fld id="{C214C790-AC43-4046-BAB7-879940BCF0AB}" type="datetimeFigureOut">
               <a:rPr lang="es-CO" smtClean="0"/>
-              <a:t>6/05/2019</a:t>
+              <a:t>9/05/2019</a:t>
             </a:fld>
             <a:endParaRPr lang="es-CO"/>
           </a:p>
@@ -2969,7 +2982,7 @@
           <a:p>
             <a:fld id="{C214C790-AC43-4046-BAB7-879940BCF0AB}" type="datetimeFigureOut">
               <a:rPr lang="es-CO" smtClean="0"/>
-              <a:t>6/05/2019</a:t>
+              <a:t>9/05/2019</a:t>
             </a:fld>
             <a:endParaRPr lang="es-CO"/>
           </a:p>
@@ -3346,7 +3359,7 @@
           <a:p>
             <a:fld id="{C214C790-AC43-4046-BAB7-879940BCF0AB}" type="datetimeFigureOut">
               <a:rPr lang="es-CO" smtClean="0"/>
-              <a:t>6/05/2019</a:t>
+              <a:t>9/05/2019</a:t>
             </a:fld>
             <a:endParaRPr lang="es-CO"/>
           </a:p>
@@ -3633,7 +3646,7 @@
           <a:p>
             <a:fld id="{C214C790-AC43-4046-BAB7-879940BCF0AB}" type="datetimeFigureOut">
               <a:rPr lang="es-CO" smtClean="0"/>
-              <a:t>6/05/2019</a:t>
+              <a:t>9/05/2019</a:t>
             </a:fld>
             <a:endParaRPr lang="es-CO"/>
           </a:p>
@@ -4174,11 +4187,7 @@
           <a:p>
             <a:r>
               <a:rPr lang="es-ES" dirty="0" smtClean="0"/>
-              <a:t>Semana </a:t>
-            </a:r>
-            <a:r>
-              <a:rPr lang="es-ES" dirty="0" smtClean="0"/>
-              <a:t>15</a:t>
+              <a:t>Semana 15</a:t>
             </a:r>
             <a:endParaRPr lang="es-CO" dirty="0"/>
           </a:p>
@@ -4203,7 +4212,6 @@
               <a:rPr lang="es-ES" dirty="0" smtClean="0"/>
               <a:t>ARCHIVOS Y SERVICIOS REST</a:t>
             </a:r>
-            <a:endParaRPr lang="es-ES" dirty="0" smtClean="0"/>
           </a:p>
         </p:txBody>
       </p:sp>
@@ -4211,6 +4219,1790 @@
     <p:extLst>
       <p:ext uri="{BB962C8B-B14F-4D97-AF65-F5344CB8AC3E}">
         <p14:creationId xmlns:p14="http://schemas.microsoft.com/office/powerpoint/2010/main" val="1252790826"/>
+      </p:ext>
+    </p:extLst>
+  </p:cSld>
+  <p:clrMapOvr>
+    <a:masterClrMapping/>
+  </p:clrMapOvr>
+  <p:timing>
+    <p:tnLst>
+      <p:par>
+        <p:cTn id="1" dur="indefinite" restart="never" nodeType="tmRoot"/>
+      </p:par>
+    </p:tnLst>
+  </p:timing>
+</p:sld>
+</file>
+
+<file path=ppt/slides/slide10.xml><?xml version="1.0" encoding="utf-8"?>
+<p:sld xmlns:a="http://schemas.openxmlformats.org/drawingml/2006/main" xmlns:r="http://schemas.openxmlformats.org/officeDocument/2006/relationships" xmlns:p="http://schemas.openxmlformats.org/presentationml/2006/main">
+  <p:cSld>
+    <p:spTree>
+      <p:nvGrpSpPr>
+        <p:cNvPr id="1" name=""/>
+        <p:cNvGrpSpPr/>
+        <p:nvPr/>
+      </p:nvGrpSpPr>
+      <p:grpSpPr>
+        <a:xfrm>
+          <a:off x="0" y="0"/>
+          <a:ext cx="0" cy="0"/>
+          <a:chOff x="0" y="0"/>
+          <a:chExt cx="0" cy="0"/>
+        </a:xfrm>
+      </p:grpSpPr>
+      <p:sp>
+        <p:nvSpPr>
+          <p:cNvPr id="2" name="Título 1"/>
+          <p:cNvSpPr>
+            <a:spLocks noGrp="1"/>
+          </p:cNvSpPr>
+          <p:nvPr>
+            <p:ph type="title"/>
+          </p:nvPr>
+        </p:nvSpPr>
+        <p:spPr/>
+        <p:txBody>
+          <a:bodyPr/>
+          <a:lstStyle/>
+          <a:p>
+            <a:r>
+              <a:rPr lang="es-ES" dirty="0" smtClean="0"/>
+              <a:t>Arreglos</a:t>
+            </a:r>
+            <a:endParaRPr lang="es-CO" dirty="0"/>
+          </a:p>
+        </p:txBody>
+      </p:sp>
+      <p:sp>
+        <p:nvSpPr>
+          <p:cNvPr id="3" name="Marcador de contenido 2"/>
+          <p:cNvSpPr>
+            <a:spLocks noGrp="1"/>
+          </p:cNvSpPr>
+          <p:nvPr>
+            <p:ph idx="1"/>
+          </p:nvPr>
+        </p:nvSpPr>
+        <p:spPr/>
+        <p:txBody>
+          <a:bodyPr/>
+          <a:lstStyle/>
+          <a:p>
+            <a:r>
+              <a:rPr lang="es-ES" b="1" dirty="0" smtClean="0"/>
+              <a:t>Declaraciones</a:t>
+            </a:r>
+            <a:endParaRPr lang="es-CO" b="1" dirty="0" smtClean="0"/>
+          </a:p>
+          <a:p>
+            <a:r>
+              <a:rPr lang="es-CO" dirty="0" smtClean="0"/>
+              <a:t>a </a:t>
+            </a:r>
+            <a:r>
+              <a:rPr lang="es-CO" dirty="0"/>
+              <a:t>= []; </a:t>
+            </a:r>
+            <a:endParaRPr lang="es-CO" dirty="0" smtClean="0"/>
+          </a:p>
+          <a:p>
+            <a:r>
+              <a:rPr lang="es-CO" dirty="0" smtClean="0"/>
+              <a:t>a </a:t>
+            </a:r>
+            <a:r>
+              <a:rPr lang="es-CO" dirty="0"/>
+              <a:t>= [1, 'hola', true]; </a:t>
+            </a:r>
+            <a:endParaRPr lang="es-CO" dirty="0" smtClean="0"/>
+          </a:p>
+          <a:p>
+            <a:r>
+              <a:rPr lang="es-CO" dirty="0" smtClean="0"/>
+              <a:t>a </a:t>
+            </a:r>
+            <a:r>
+              <a:rPr lang="es-CO" dirty="0"/>
+              <a:t>= new </a:t>
+            </a:r>
+            <a:r>
+              <a:rPr lang="es-CO" dirty="0" err="1"/>
+              <a:t>Array</a:t>
+            </a:r>
+            <a:r>
+              <a:rPr lang="es-CO" dirty="0"/>
+              <a:t>(); </a:t>
+            </a:r>
+            <a:endParaRPr lang="es-CO" dirty="0" smtClean="0"/>
+          </a:p>
+          <a:p>
+            <a:r>
+              <a:rPr lang="es-ES" b="1" dirty="0" smtClean="0"/>
+              <a:t>Definiciones con índices</a:t>
+            </a:r>
+            <a:endParaRPr lang="es-ES" b="1" dirty="0"/>
+          </a:p>
+          <a:p>
+            <a:r>
+              <a:rPr lang="es-CO" dirty="0"/>
+              <a:t>a = [];</a:t>
+            </a:r>
+          </a:p>
+          <a:p>
+            <a:r>
+              <a:rPr lang="es-CO" dirty="0" smtClean="0"/>
+              <a:t>a[5</a:t>
+            </a:r>
+            <a:r>
+              <a:rPr lang="es-CO" dirty="0"/>
+              <a:t>] = 23</a:t>
+            </a:r>
+            <a:r>
+              <a:rPr lang="es-CO" dirty="0" smtClean="0"/>
+              <a:t>;  </a:t>
+            </a:r>
+            <a:r>
+              <a:rPr lang="es-CO" dirty="0"/>
+              <a:t>// Esto da un </a:t>
+            </a:r>
+            <a:r>
+              <a:rPr lang="es-CO" dirty="0" err="1"/>
+              <a:t>array</a:t>
+            </a:r>
+            <a:r>
+              <a:rPr lang="es-CO" dirty="0"/>
+              <a:t> [</a:t>
+            </a:r>
+            <a:r>
+              <a:rPr lang="es-CO" dirty="0" err="1"/>
+              <a:t>undefined</a:t>
+            </a:r>
+            <a:r>
+              <a:rPr lang="es-CO" dirty="0"/>
+              <a:t>, </a:t>
+            </a:r>
+            <a:r>
+              <a:rPr lang="es-CO" dirty="0" err="1"/>
+              <a:t>undefined</a:t>
+            </a:r>
+            <a:r>
+              <a:rPr lang="es-CO" dirty="0"/>
+              <a:t>, </a:t>
+            </a:r>
+            <a:r>
+              <a:rPr lang="es-CO" dirty="0" err="1"/>
+              <a:t>undefined</a:t>
+            </a:r>
+            <a:r>
+              <a:rPr lang="es-CO" dirty="0"/>
+              <a:t>, </a:t>
+            </a:r>
+            <a:r>
+              <a:rPr lang="es-CO" dirty="0" err="1"/>
+              <a:t>undefined</a:t>
+            </a:r>
+            <a:r>
+              <a:rPr lang="es-CO" dirty="0"/>
+              <a:t>, </a:t>
+            </a:r>
+            <a:r>
+              <a:rPr lang="es-CO" dirty="0" err="1"/>
+              <a:t>undefined</a:t>
+            </a:r>
+            <a:r>
+              <a:rPr lang="es-CO" dirty="0"/>
+              <a:t>, 23</a:t>
+            </a:r>
+            <a:r>
+              <a:rPr lang="es-CO" dirty="0" smtClean="0"/>
+              <a:t>]</a:t>
+            </a:r>
+            <a:endParaRPr lang="es-CO" dirty="0"/>
+          </a:p>
+        </p:txBody>
+      </p:sp>
+    </p:spTree>
+    <p:extLst>
+      <p:ext uri="{BB962C8B-B14F-4D97-AF65-F5344CB8AC3E}">
+        <p14:creationId xmlns:p14="http://schemas.microsoft.com/office/powerpoint/2010/main" val="2557381330"/>
+      </p:ext>
+    </p:extLst>
+  </p:cSld>
+  <p:clrMapOvr>
+    <a:masterClrMapping/>
+  </p:clrMapOvr>
+  <p:timing>
+    <p:tnLst>
+      <p:par>
+        <p:cTn id="1" dur="indefinite" restart="never" nodeType="tmRoot"/>
+      </p:par>
+    </p:tnLst>
+  </p:timing>
+</p:sld>
+</file>
+
+<file path=ppt/slides/slide11.xml><?xml version="1.0" encoding="utf-8"?>
+<p:sld xmlns:a="http://schemas.openxmlformats.org/drawingml/2006/main" xmlns:r="http://schemas.openxmlformats.org/officeDocument/2006/relationships" xmlns:p="http://schemas.openxmlformats.org/presentationml/2006/main">
+  <p:cSld>
+    <p:spTree>
+      <p:nvGrpSpPr>
+        <p:cNvPr id="1" name=""/>
+        <p:cNvGrpSpPr/>
+        <p:nvPr/>
+      </p:nvGrpSpPr>
+      <p:grpSpPr>
+        <a:xfrm>
+          <a:off x="0" y="0"/>
+          <a:ext cx="0" cy="0"/>
+          <a:chOff x="0" y="0"/>
+          <a:chExt cx="0" cy="0"/>
+        </a:xfrm>
+      </p:grpSpPr>
+      <p:sp>
+        <p:nvSpPr>
+          <p:cNvPr id="2" name="Título 1"/>
+          <p:cNvSpPr>
+            <a:spLocks noGrp="1"/>
+          </p:cNvSpPr>
+          <p:nvPr>
+            <p:ph type="title"/>
+          </p:nvPr>
+        </p:nvSpPr>
+        <p:spPr/>
+        <p:txBody>
+          <a:bodyPr/>
+          <a:lstStyle/>
+          <a:p>
+            <a:r>
+              <a:rPr lang="es-ES" dirty="0" smtClean="0"/>
+              <a:t>Arreglos</a:t>
+            </a:r>
+            <a:endParaRPr lang="es-CO" dirty="0"/>
+          </a:p>
+        </p:txBody>
+      </p:sp>
+      <p:sp>
+        <p:nvSpPr>
+          <p:cNvPr id="3" name="Marcador de contenido 2"/>
+          <p:cNvSpPr>
+            <a:spLocks noGrp="1"/>
+          </p:cNvSpPr>
+          <p:nvPr>
+            <p:ph idx="1"/>
+          </p:nvPr>
+        </p:nvSpPr>
+        <p:spPr/>
+        <p:txBody>
+          <a:bodyPr>
+            <a:normAutofit fontScale="92500" lnSpcReduction="10000"/>
+          </a:bodyPr>
+          <a:lstStyle/>
+          <a:p>
+            <a:r>
+              <a:rPr lang="es-ES" b="1" dirty="0" smtClean="0"/>
+              <a:t>Inserciones</a:t>
+            </a:r>
+            <a:endParaRPr lang="es-CO" b="1" dirty="0" smtClean="0"/>
+          </a:p>
+          <a:p>
+            <a:r>
+              <a:rPr lang="es-CO" dirty="0"/>
+              <a:t>a = [1,2,3];</a:t>
+            </a:r>
+          </a:p>
+          <a:p>
+            <a:r>
+              <a:rPr lang="es-CO" dirty="0" err="1" smtClean="0"/>
+              <a:t>a.push</a:t>
+            </a:r>
+            <a:r>
+              <a:rPr lang="es-CO" dirty="0"/>
+              <a:t>('hola'); </a:t>
+            </a:r>
+            <a:r>
+              <a:rPr lang="es-CO" dirty="0" smtClean="0"/>
+              <a:t>// Esto da un </a:t>
+            </a:r>
+            <a:r>
+              <a:rPr lang="es-CO" dirty="0" err="1" smtClean="0"/>
+              <a:t>array</a:t>
+            </a:r>
+            <a:r>
+              <a:rPr lang="es-CO" dirty="0" smtClean="0"/>
+              <a:t>[1,2,3,'hola']</a:t>
+            </a:r>
+          </a:p>
+          <a:p>
+            <a:r>
+              <a:rPr lang="es-ES" b="1" dirty="0" smtClean="0"/>
+              <a:t>Eliminaciones</a:t>
+            </a:r>
+            <a:endParaRPr lang="es-ES" b="1" dirty="0"/>
+          </a:p>
+          <a:p>
+            <a:r>
+              <a:rPr lang="es-CO" dirty="0"/>
+              <a:t>a = [1,2,3];</a:t>
+            </a:r>
+          </a:p>
+          <a:p>
+            <a:r>
+              <a:rPr lang="es-CO" dirty="0" err="1" smtClean="0"/>
+              <a:t>a.splice</a:t>
+            </a:r>
+            <a:r>
+              <a:rPr lang="es-CO" dirty="0" smtClean="0"/>
+              <a:t>(2,1); // Esto da un </a:t>
+            </a:r>
+            <a:r>
+              <a:rPr lang="es-CO" dirty="0" err="1" smtClean="0"/>
+              <a:t>array</a:t>
+            </a:r>
+            <a:r>
+              <a:rPr lang="es-CO" dirty="0" smtClean="0"/>
+              <a:t> [1,3]</a:t>
+            </a:r>
+          </a:p>
+          <a:p>
+            <a:r>
+              <a:rPr lang="es-ES" dirty="0" smtClean="0"/>
+              <a:t>Recorrer el arreglo</a:t>
+            </a:r>
+          </a:p>
+          <a:p>
+            <a:r>
+              <a:rPr lang="es-ES" dirty="0" err="1"/>
+              <a:t>for</a:t>
+            </a:r>
+            <a:r>
+              <a:rPr lang="es-ES" dirty="0"/>
+              <a:t> (i=0;i&lt;</a:t>
+            </a:r>
+            <a:r>
+              <a:rPr lang="es-ES" dirty="0" err="1"/>
+              <a:t>a.length;i</a:t>
+            </a:r>
+            <a:r>
+              <a:rPr lang="es-ES" dirty="0"/>
+              <a:t>++) {</a:t>
+            </a:r>
+          </a:p>
+          <a:p>
+            <a:r>
+              <a:rPr lang="es-ES" dirty="0"/>
+              <a:t>    // hacer algo con a[i];</a:t>
+            </a:r>
+          </a:p>
+          <a:p>
+            <a:r>
+              <a:rPr lang="es-ES" dirty="0" smtClean="0"/>
+              <a:t>}</a:t>
+            </a:r>
+            <a:endParaRPr lang="es-CO" dirty="0"/>
+          </a:p>
+        </p:txBody>
+      </p:sp>
+    </p:spTree>
+    <p:extLst>
+      <p:ext uri="{BB962C8B-B14F-4D97-AF65-F5344CB8AC3E}">
+        <p14:creationId xmlns:p14="http://schemas.microsoft.com/office/powerpoint/2010/main" val="531856295"/>
+      </p:ext>
+    </p:extLst>
+  </p:cSld>
+  <p:clrMapOvr>
+    <a:masterClrMapping/>
+  </p:clrMapOvr>
+  <p:timing>
+    <p:tnLst>
+      <p:par>
+        <p:cTn id="1" dur="indefinite" restart="never" nodeType="tmRoot"/>
+      </p:par>
+    </p:tnLst>
+  </p:timing>
+</p:sld>
+</file>
+
+<file path=ppt/slides/slide12.xml><?xml version="1.0" encoding="utf-8"?>
+<p:sld xmlns:a="http://schemas.openxmlformats.org/drawingml/2006/main" xmlns:r="http://schemas.openxmlformats.org/officeDocument/2006/relationships" xmlns:p="http://schemas.openxmlformats.org/presentationml/2006/main">
+  <p:cSld>
+    <p:spTree>
+      <p:nvGrpSpPr>
+        <p:cNvPr id="1" name=""/>
+        <p:cNvGrpSpPr/>
+        <p:nvPr/>
+      </p:nvGrpSpPr>
+      <p:grpSpPr>
+        <a:xfrm>
+          <a:off x="0" y="0"/>
+          <a:ext cx="0" cy="0"/>
+          <a:chOff x="0" y="0"/>
+          <a:chExt cx="0" cy="0"/>
+        </a:xfrm>
+      </p:grpSpPr>
+      <p:sp>
+        <p:nvSpPr>
+          <p:cNvPr id="2" name="Título 1"/>
+          <p:cNvSpPr>
+            <a:spLocks noGrp="1"/>
+          </p:cNvSpPr>
+          <p:nvPr>
+            <p:ph type="title"/>
+          </p:nvPr>
+        </p:nvSpPr>
+        <p:spPr/>
+        <p:txBody>
+          <a:bodyPr/>
+          <a:lstStyle/>
+          <a:p>
+            <a:r>
+              <a:rPr lang="es-ES" dirty="0" smtClean="0"/>
+              <a:t>Arreglos</a:t>
+            </a:r>
+            <a:endParaRPr lang="es-CO" dirty="0"/>
+          </a:p>
+        </p:txBody>
+      </p:sp>
+      <p:sp>
+        <p:nvSpPr>
+          <p:cNvPr id="3" name="Marcador de contenido 2"/>
+          <p:cNvSpPr>
+            <a:spLocks noGrp="1"/>
+          </p:cNvSpPr>
+          <p:nvPr>
+            <p:ph idx="1"/>
+          </p:nvPr>
+        </p:nvSpPr>
+        <p:spPr/>
+        <p:txBody>
+          <a:bodyPr>
+            <a:normAutofit/>
+          </a:bodyPr>
+          <a:lstStyle/>
+          <a:p>
+            <a:r>
+              <a:rPr lang="es-ES" b="1" dirty="0" smtClean="0"/>
+              <a:t>Concatenaciones</a:t>
+            </a:r>
+            <a:endParaRPr lang="es-CO" b="1" dirty="0" smtClean="0"/>
+          </a:p>
+          <a:p>
+            <a:r>
+              <a:rPr lang="pt-BR" dirty="0"/>
+              <a:t>var a = [1,2];</a:t>
+            </a:r>
+          </a:p>
+          <a:p>
+            <a:r>
+              <a:rPr lang="pt-BR" dirty="0"/>
+              <a:t>var b = </a:t>
+            </a:r>
+            <a:r>
+              <a:rPr lang="pt-BR" dirty="0" err="1"/>
+              <a:t>a.concat</a:t>
+            </a:r>
+            <a:r>
+              <a:rPr lang="pt-BR" dirty="0"/>
+              <a:t>([3,4],[5,6</a:t>
+            </a:r>
+            <a:r>
+              <a:rPr lang="pt-BR" dirty="0" smtClean="0"/>
+              <a:t>]); // </a:t>
+            </a:r>
+            <a:r>
+              <a:rPr lang="pt-BR" dirty="0" err="1" smtClean="0"/>
+              <a:t>array</a:t>
+            </a:r>
+            <a:r>
+              <a:rPr lang="pt-BR" dirty="0" smtClean="0"/>
+              <a:t>[1,2,3,4,5,6]</a:t>
+            </a:r>
+          </a:p>
+          <a:p>
+            <a:endParaRPr lang="pt-BR" dirty="0"/>
+          </a:p>
+          <a:p>
+            <a:r>
+              <a:rPr lang="pt-BR" b="1" dirty="0" err="1" smtClean="0"/>
+              <a:t>Length</a:t>
+            </a:r>
+            <a:r>
+              <a:rPr lang="pt-BR" b="1" dirty="0" smtClean="0"/>
+              <a:t> </a:t>
+            </a:r>
+            <a:r>
+              <a:rPr lang="pt-BR" b="1" dirty="0" err="1" smtClean="0"/>
+              <a:t>del</a:t>
+            </a:r>
+            <a:r>
+              <a:rPr lang="pt-BR" b="1" dirty="0" smtClean="0"/>
+              <a:t> </a:t>
+            </a:r>
+            <a:r>
+              <a:rPr lang="pt-BR" b="1" dirty="0" err="1" smtClean="0"/>
+              <a:t>array</a:t>
+            </a:r>
+            <a:endParaRPr lang="pt-BR" b="1" dirty="0" smtClean="0"/>
+          </a:p>
+          <a:p>
+            <a:r>
+              <a:rPr lang="es-ES" dirty="0" err="1"/>
+              <a:t>var</a:t>
+            </a:r>
+            <a:r>
+              <a:rPr lang="es-ES" dirty="0"/>
+              <a:t> a = [1,2,3];</a:t>
+            </a:r>
+          </a:p>
+          <a:p>
+            <a:r>
+              <a:rPr lang="es-ES" dirty="0" err="1"/>
+              <a:t>a.length</a:t>
+            </a:r>
+            <a:r>
+              <a:rPr lang="es-ES" dirty="0"/>
+              <a:t>;    </a:t>
+            </a:r>
+            <a:r>
+              <a:rPr lang="es-ES" dirty="0" smtClean="0"/>
+              <a:t>	// </a:t>
+            </a:r>
+            <a:r>
+              <a:rPr lang="es-ES" dirty="0"/>
+              <a:t>da 3</a:t>
+            </a:r>
+          </a:p>
+          <a:p>
+            <a:r>
+              <a:rPr lang="es-ES" dirty="0" err="1"/>
+              <a:t>a.length</a:t>
+            </a:r>
+            <a:r>
+              <a:rPr lang="es-ES" dirty="0"/>
+              <a:t>=5;  </a:t>
+            </a:r>
+            <a:r>
+              <a:rPr lang="es-ES" dirty="0" smtClean="0"/>
+              <a:t>	// </a:t>
+            </a:r>
+            <a:r>
+              <a:rPr lang="es-ES" dirty="0"/>
+              <a:t>Ahora el </a:t>
+            </a:r>
+            <a:r>
+              <a:rPr lang="es-ES" dirty="0" err="1"/>
+              <a:t>array</a:t>
+            </a:r>
+            <a:r>
+              <a:rPr lang="es-ES" dirty="0"/>
+              <a:t> tiene 5 posiciones</a:t>
+            </a:r>
+          </a:p>
+          <a:p>
+            <a:r>
+              <a:rPr lang="es-ES" dirty="0"/>
+              <a:t>a;           </a:t>
+            </a:r>
+            <a:r>
+              <a:rPr lang="es-ES" dirty="0" smtClean="0"/>
+              <a:t>		// </a:t>
+            </a:r>
+            <a:r>
+              <a:rPr lang="es-ES" dirty="0"/>
+              <a:t>Da [1, 2, 3, </a:t>
+            </a:r>
+            <a:r>
+              <a:rPr lang="es-ES" dirty="0" err="1"/>
+              <a:t>undefined</a:t>
+            </a:r>
+            <a:r>
+              <a:rPr lang="es-ES" dirty="0"/>
+              <a:t>, </a:t>
+            </a:r>
+            <a:r>
+              <a:rPr lang="es-ES" dirty="0" err="1"/>
+              <a:t>undefined</a:t>
+            </a:r>
+            <a:r>
+              <a:rPr lang="es-ES" dirty="0"/>
+              <a:t>]</a:t>
+            </a:r>
+            <a:endParaRPr lang="es-CO" dirty="0"/>
+          </a:p>
+        </p:txBody>
+      </p:sp>
+    </p:spTree>
+    <p:extLst>
+      <p:ext uri="{BB962C8B-B14F-4D97-AF65-F5344CB8AC3E}">
+        <p14:creationId xmlns:p14="http://schemas.microsoft.com/office/powerpoint/2010/main" val="2571117072"/>
+      </p:ext>
+    </p:extLst>
+  </p:cSld>
+  <p:clrMapOvr>
+    <a:masterClrMapping/>
+  </p:clrMapOvr>
+  <p:timing>
+    <p:tnLst>
+      <p:par>
+        <p:cTn id="1" dur="indefinite" restart="never" nodeType="tmRoot"/>
+      </p:par>
+    </p:tnLst>
+  </p:timing>
+</p:sld>
+</file>
+
+<file path=ppt/slides/slide13.xml><?xml version="1.0" encoding="utf-8"?>
+<p:sld xmlns:a="http://schemas.openxmlformats.org/drawingml/2006/main" xmlns:r="http://schemas.openxmlformats.org/officeDocument/2006/relationships" xmlns:p="http://schemas.openxmlformats.org/presentationml/2006/main">
+  <p:cSld>
+    <p:spTree>
+      <p:nvGrpSpPr>
+        <p:cNvPr id="1" name=""/>
+        <p:cNvGrpSpPr/>
+        <p:nvPr/>
+      </p:nvGrpSpPr>
+      <p:grpSpPr>
+        <a:xfrm>
+          <a:off x="0" y="0"/>
+          <a:ext cx="0" cy="0"/>
+          <a:chOff x="0" y="0"/>
+          <a:chExt cx="0" cy="0"/>
+        </a:xfrm>
+      </p:grpSpPr>
+      <p:sp>
+        <p:nvSpPr>
+          <p:cNvPr id="2" name="Título 1"/>
+          <p:cNvSpPr>
+            <a:spLocks noGrp="1"/>
+          </p:cNvSpPr>
+          <p:nvPr>
+            <p:ph type="title"/>
+          </p:nvPr>
+        </p:nvSpPr>
+        <p:spPr/>
+        <p:txBody>
+          <a:bodyPr/>
+          <a:lstStyle/>
+          <a:p>
+            <a:r>
+              <a:rPr lang="es-ES" dirty="0" smtClean="0"/>
+              <a:t>Objetos o diccionarios</a:t>
+            </a:r>
+            <a:endParaRPr lang="es-CO" dirty="0"/>
+          </a:p>
+        </p:txBody>
+      </p:sp>
+      <p:sp>
+        <p:nvSpPr>
+          <p:cNvPr id="3" name="Marcador de contenido 2"/>
+          <p:cNvSpPr>
+            <a:spLocks noGrp="1"/>
+          </p:cNvSpPr>
+          <p:nvPr>
+            <p:ph idx="1"/>
+          </p:nvPr>
+        </p:nvSpPr>
+        <p:spPr/>
+        <p:txBody>
+          <a:bodyPr>
+            <a:normAutofit/>
+          </a:bodyPr>
+          <a:lstStyle/>
+          <a:p>
+            <a:r>
+              <a:rPr lang="es-ES" b="1" dirty="0" smtClean="0"/>
+              <a:t>Definición</a:t>
+            </a:r>
+          </a:p>
+          <a:p>
+            <a:r>
+              <a:rPr lang="es-ES" dirty="0"/>
+              <a:t>a = {clave1: "valor", clave2, 22</a:t>
+            </a:r>
+            <a:r>
+              <a:rPr lang="es-ES" dirty="0" smtClean="0"/>
+              <a:t>};</a:t>
+            </a:r>
+          </a:p>
+          <a:p>
+            <a:r>
+              <a:rPr lang="es-ES" b="1" dirty="0" smtClean="0"/>
+              <a:t>Recorrer el objeto</a:t>
+            </a:r>
+          </a:p>
+          <a:p>
+            <a:r>
+              <a:rPr lang="es-ES" dirty="0" err="1"/>
+              <a:t>for</a:t>
+            </a:r>
+            <a:r>
+              <a:rPr lang="es-ES" dirty="0"/>
+              <a:t> (</a:t>
+            </a:r>
+            <a:r>
+              <a:rPr lang="es-ES" dirty="0" err="1"/>
+              <a:t>key</a:t>
+            </a:r>
+            <a:r>
+              <a:rPr lang="es-ES" dirty="0"/>
+              <a:t> in a) {</a:t>
+            </a:r>
+          </a:p>
+          <a:p>
+            <a:r>
+              <a:rPr lang="es-ES" dirty="0"/>
+              <a:t>    // Hacer algo con la clave </a:t>
+            </a:r>
+            <a:r>
+              <a:rPr lang="es-ES" dirty="0" err="1"/>
+              <a:t>key</a:t>
+            </a:r>
+            <a:endParaRPr lang="es-ES" dirty="0"/>
+          </a:p>
+          <a:p>
+            <a:r>
+              <a:rPr lang="es-ES" dirty="0" smtClean="0"/>
+              <a:t>}</a:t>
+            </a:r>
+          </a:p>
+          <a:p>
+            <a:endParaRPr lang="es-CO" dirty="0"/>
+          </a:p>
+        </p:txBody>
+      </p:sp>
+    </p:spTree>
+    <p:extLst>
+      <p:ext uri="{BB962C8B-B14F-4D97-AF65-F5344CB8AC3E}">
+        <p14:creationId xmlns:p14="http://schemas.microsoft.com/office/powerpoint/2010/main" val="775632569"/>
+      </p:ext>
+    </p:extLst>
+  </p:cSld>
+  <p:clrMapOvr>
+    <a:masterClrMapping/>
+  </p:clrMapOvr>
+  <p:timing>
+    <p:tnLst>
+      <p:par>
+        <p:cTn id="1" dur="indefinite" restart="never" nodeType="tmRoot"/>
+      </p:par>
+    </p:tnLst>
+  </p:timing>
+</p:sld>
+</file>
+
+<file path=ppt/slides/slide14.xml><?xml version="1.0" encoding="utf-8"?>
+<p:sld xmlns:a="http://schemas.openxmlformats.org/drawingml/2006/main" xmlns:r="http://schemas.openxmlformats.org/officeDocument/2006/relationships" xmlns:p="http://schemas.openxmlformats.org/presentationml/2006/main">
+  <p:cSld>
+    <p:spTree>
+      <p:nvGrpSpPr>
+        <p:cNvPr id="1" name=""/>
+        <p:cNvGrpSpPr/>
+        <p:nvPr/>
+      </p:nvGrpSpPr>
+      <p:grpSpPr>
+        <a:xfrm>
+          <a:off x="0" y="0"/>
+          <a:ext cx="0" cy="0"/>
+          <a:chOff x="0" y="0"/>
+          <a:chExt cx="0" cy="0"/>
+        </a:xfrm>
+      </p:grpSpPr>
+      <p:sp>
+        <p:nvSpPr>
+          <p:cNvPr id="2" name="Título 1"/>
+          <p:cNvSpPr>
+            <a:spLocks noGrp="1"/>
+          </p:cNvSpPr>
+          <p:nvPr>
+            <p:ph type="title"/>
+          </p:nvPr>
+        </p:nvSpPr>
+        <p:spPr/>
+        <p:txBody>
+          <a:bodyPr/>
+          <a:lstStyle/>
+          <a:p>
+            <a:r>
+              <a:rPr lang="es-ES" dirty="0" smtClean="0"/>
+              <a:t>Objetos o diccionarios</a:t>
+            </a:r>
+            <a:endParaRPr lang="es-CO" dirty="0"/>
+          </a:p>
+        </p:txBody>
+      </p:sp>
+      <p:sp>
+        <p:nvSpPr>
+          <p:cNvPr id="3" name="Marcador de contenido 2"/>
+          <p:cNvSpPr>
+            <a:spLocks noGrp="1"/>
+          </p:cNvSpPr>
+          <p:nvPr>
+            <p:ph idx="1"/>
+          </p:nvPr>
+        </p:nvSpPr>
+        <p:spPr/>
+        <p:txBody>
+          <a:bodyPr>
+            <a:normAutofit fontScale="92500" lnSpcReduction="10000"/>
+          </a:bodyPr>
+          <a:lstStyle/>
+          <a:p>
+            <a:r>
+              <a:rPr lang="es-ES" b="1" dirty="0" smtClean="0"/>
+              <a:t>Definición</a:t>
+            </a:r>
+          </a:p>
+          <a:p>
+            <a:r>
+              <a:rPr lang="es-CO" b="1" dirty="0" err="1"/>
+              <a:t>class</a:t>
+            </a:r>
+            <a:r>
+              <a:rPr lang="es-CO" b="1" dirty="0"/>
+              <a:t> Evaluador {</a:t>
+            </a:r>
+          </a:p>
+          <a:p>
+            <a:r>
+              <a:rPr lang="es-CO" dirty="0"/>
+              <a:t>    constructor(</a:t>
+            </a:r>
+            <a:r>
+              <a:rPr lang="es-CO" dirty="0" err="1"/>
+              <a:t>uuid</a:t>
+            </a:r>
+            <a:r>
+              <a:rPr lang="es-CO" dirty="0"/>
+              <a:t>, </a:t>
+            </a:r>
+            <a:r>
+              <a:rPr lang="es-CO" dirty="0" err="1"/>
+              <a:t>Name</a:t>
+            </a:r>
+            <a:r>
+              <a:rPr lang="es-CO" dirty="0"/>
+              <a:t>, </a:t>
+            </a:r>
+            <a:r>
+              <a:rPr lang="es-CO" dirty="0" err="1" smtClean="0"/>
+              <a:t>lastName</a:t>
+            </a:r>
+            <a:r>
+              <a:rPr lang="es-CO" dirty="0" smtClean="0"/>
+              <a:t>) </a:t>
+            </a:r>
+            <a:r>
+              <a:rPr lang="es-CO" dirty="0"/>
+              <a:t>{</a:t>
+            </a:r>
+          </a:p>
+          <a:p>
+            <a:r>
+              <a:rPr lang="es-CO" dirty="0"/>
+              <a:t>   </a:t>
+            </a:r>
+            <a:r>
+              <a:rPr lang="es-CO" dirty="0" smtClean="0"/>
+              <a:t>     </a:t>
+            </a:r>
+            <a:r>
+              <a:rPr lang="es-CO" dirty="0" err="1"/>
+              <a:t>this.uuid</a:t>
+            </a:r>
+            <a:r>
+              <a:rPr lang="es-CO" dirty="0"/>
+              <a:t> = </a:t>
+            </a:r>
+            <a:r>
+              <a:rPr lang="es-CO" dirty="0" err="1"/>
+              <a:t>uuid</a:t>
+            </a:r>
+            <a:r>
+              <a:rPr lang="es-CO" dirty="0"/>
+              <a:t>;</a:t>
+            </a:r>
+          </a:p>
+          <a:p>
+            <a:r>
+              <a:rPr lang="es-CO" dirty="0"/>
+              <a:t>        </a:t>
+            </a:r>
+            <a:r>
+              <a:rPr lang="es-CO" dirty="0" err="1"/>
+              <a:t>this.Name</a:t>
+            </a:r>
+            <a:r>
+              <a:rPr lang="es-CO" dirty="0"/>
+              <a:t> = </a:t>
+            </a:r>
+            <a:r>
+              <a:rPr lang="es-CO" dirty="0" err="1"/>
+              <a:t>Name</a:t>
+            </a:r>
+            <a:r>
+              <a:rPr lang="es-CO" dirty="0"/>
+              <a:t>;</a:t>
+            </a:r>
+          </a:p>
+          <a:p>
+            <a:r>
+              <a:rPr lang="es-CO" dirty="0"/>
+              <a:t>        </a:t>
+            </a:r>
+            <a:r>
+              <a:rPr lang="es-CO" dirty="0" err="1"/>
+              <a:t>this.lastName</a:t>
+            </a:r>
+            <a:r>
+              <a:rPr lang="es-CO" dirty="0"/>
+              <a:t> = </a:t>
+            </a:r>
+            <a:r>
+              <a:rPr lang="es-CO" dirty="0" err="1"/>
+              <a:t>lastName</a:t>
+            </a:r>
+            <a:r>
+              <a:rPr lang="es-CO" dirty="0"/>
+              <a:t>;</a:t>
+            </a:r>
+          </a:p>
+          <a:p>
+            <a:pPr marL="201168" lvl="1" indent="0">
+              <a:buNone/>
+            </a:pPr>
+            <a:r>
+              <a:rPr lang="es-CO" dirty="0" smtClean="0"/>
+              <a:t>  }</a:t>
+            </a:r>
+            <a:endParaRPr lang="es-CO" dirty="0"/>
+          </a:p>
+          <a:p>
+            <a:r>
+              <a:rPr lang="es-CO" dirty="0" smtClean="0"/>
+              <a:t>}</a:t>
+            </a:r>
+          </a:p>
+          <a:p>
+            <a:r>
+              <a:rPr lang="es-ES" dirty="0" smtClean="0"/>
+              <a:t>Se pueden definir como clases, para producir objetos:</a:t>
+            </a:r>
+          </a:p>
+          <a:p>
+            <a:r>
+              <a:rPr lang="es-CO" b="1" dirty="0" err="1"/>
+              <a:t>v</a:t>
+            </a:r>
+            <a:r>
+              <a:rPr lang="es-CO" b="1" dirty="0" err="1" smtClean="0"/>
+              <a:t>ar</a:t>
+            </a:r>
+            <a:r>
+              <a:rPr lang="es-CO" dirty="0" smtClean="0"/>
+              <a:t> </a:t>
+            </a:r>
+            <a:r>
+              <a:rPr lang="es-CO" dirty="0" err="1" smtClean="0"/>
+              <a:t>rater</a:t>
+            </a:r>
+            <a:r>
+              <a:rPr lang="es-CO" dirty="0" smtClean="0"/>
+              <a:t> </a:t>
+            </a:r>
+            <a:r>
+              <a:rPr lang="es-CO" dirty="0"/>
+              <a:t>= </a:t>
+            </a:r>
+            <a:r>
+              <a:rPr lang="es-CO" b="1" dirty="0"/>
+              <a:t>new</a:t>
+            </a:r>
+            <a:r>
+              <a:rPr lang="es-CO" dirty="0"/>
+              <a:t> </a:t>
+            </a:r>
+            <a:r>
+              <a:rPr lang="es-CO" dirty="0" smtClean="0"/>
+              <a:t>Evaluador(id, </a:t>
+            </a:r>
+            <a:r>
+              <a:rPr lang="es-CO" dirty="0" err="1" smtClean="0"/>
+              <a:t>name,lasname</a:t>
+            </a:r>
+            <a:r>
+              <a:rPr lang="es-CO" dirty="0" smtClean="0"/>
+              <a:t>);</a:t>
+            </a:r>
+            <a:endParaRPr lang="es-CO" dirty="0"/>
+          </a:p>
+        </p:txBody>
+      </p:sp>
+    </p:spTree>
+    <p:extLst>
+      <p:ext uri="{BB962C8B-B14F-4D97-AF65-F5344CB8AC3E}">
+        <p14:creationId xmlns:p14="http://schemas.microsoft.com/office/powerpoint/2010/main" val="2914045081"/>
+      </p:ext>
+    </p:extLst>
+  </p:cSld>
+  <p:clrMapOvr>
+    <a:masterClrMapping/>
+  </p:clrMapOvr>
+  <p:timing>
+    <p:tnLst>
+      <p:par>
+        <p:cTn id="1" dur="indefinite" restart="never" nodeType="tmRoot"/>
+      </p:par>
+    </p:tnLst>
+  </p:timing>
+</p:sld>
+</file>
+
+<file path=ppt/slides/slide15.xml><?xml version="1.0" encoding="utf-8"?>
+<p:sld xmlns:a="http://schemas.openxmlformats.org/drawingml/2006/main" xmlns:r="http://schemas.openxmlformats.org/officeDocument/2006/relationships" xmlns:p="http://schemas.openxmlformats.org/presentationml/2006/main">
+  <p:cSld>
+    <p:spTree>
+      <p:nvGrpSpPr>
+        <p:cNvPr id="1" name=""/>
+        <p:cNvGrpSpPr/>
+        <p:nvPr/>
+      </p:nvGrpSpPr>
+      <p:grpSpPr>
+        <a:xfrm>
+          <a:off x="0" y="0"/>
+          <a:ext cx="0" cy="0"/>
+          <a:chOff x="0" y="0"/>
+          <a:chExt cx="0" cy="0"/>
+        </a:xfrm>
+      </p:grpSpPr>
+      <p:sp>
+        <p:nvSpPr>
+          <p:cNvPr id="2" name="Título 1"/>
+          <p:cNvSpPr>
+            <a:spLocks noGrp="1"/>
+          </p:cNvSpPr>
+          <p:nvPr>
+            <p:ph type="title"/>
+          </p:nvPr>
+        </p:nvSpPr>
+        <p:spPr/>
+        <p:txBody>
+          <a:bodyPr/>
+          <a:lstStyle/>
+          <a:p>
+            <a:r>
+              <a:rPr lang="es-ES" dirty="0" smtClean="0"/>
+              <a:t>Objetos o diccionarios</a:t>
+            </a:r>
+            <a:endParaRPr lang="es-CO" dirty="0"/>
+          </a:p>
+        </p:txBody>
+      </p:sp>
+      <p:sp>
+        <p:nvSpPr>
+          <p:cNvPr id="3" name="Marcador de contenido 2"/>
+          <p:cNvSpPr>
+            <a:spLocks noGrp="1"/>
+          </p:cNvSpPr>
+          <p:nvPr>
+            <p:ph idx="1"/>
+          </p:nvPr>
+        </p:nvSpPr>
+        <p:spPr/>
+        <p:txBody>
+          <a:bodyPr>
+            <a:normAutofit fontScale="85000" lnSpcReduction="20000"/>
+          </a:bodyPr>
+          <a:lstStyle/>
+          <a:p>
+            <a:r>
+              <a:rPr lang="es-ES" b="1" dirty="0" smtClean="0"/>
+              <a:t>Definición</a:t>
+            </a:r>
+          </a:p>
+          <a:p>
+            <a:r>
+              <a:rPr lang="es-CO" b="1" dirty="0" err="1"/>
+              <a:t>class</a:t>
+            </a:r>
+            <a:r>
+              <a:rPr lang="es-CO" b="1" dirty="0"/>
+              <a:t> Evaluador {</a:t>
+            </a:r>
+          </a:p>
+          <a:p>
+            <a:r>
+              <a:rPr lang="es-CO" dirty="0"/>
+              <a:t>    </a:t>
+            </a:r>
+            <a:r>
+              <a:rPr lang="es-CO" b="1" dirty="0"/>
+              <a:t>constructor</a:t>
+            </a:r>
+            <a:r>
+              <a:rPr lang="es-CO" dirty="0"/>
+              <a:t>(</a:t>
+            </a:r>
+            <a:r>
+              <a:rPr lang="es-CO" dirty="0" err="1"/>
+              <a:t>uuid</a:t>
+            </a:r>
+            <a:r>
+              <a:rPr lang="es-CO" dirty="0"/>
+              <a:t>, </a:t>
+            </a:r>
+            <a:r>
+              <a:rPr lang="es-CO" dirty="0" err="1"/>
+              <a:t>Name</a:t>
+            </a:r>
+            <a:r>
+              <a:rPr lang="es-CO" dirty="0"/>
+              <a:t>, </a:t>
+            </a:r>
+            <a:r>
+              <a:rPr lang="es-CO" dirty="0" err="1" smtClean="0"/>
+              <a:t>lastName</a:t>
+            </a:r>
+            <a:r>
+              <a:rPr lang="es-CO" dirty="0" smtClean="0"/>
+              <a:t>) </a:t>
+            </a:r>
+            <a:r>
+              <a:rPr lang="es-CO" dirty="0"/>
+              <a:t>{</a:t>
+            </a:r>
+          </a:p>
+          <a:p>
+            <a:r>
+              <a:rPr lang="es-CO" dirty="0"/>
+              <a:t>   </a:t>
+            </a:r>
+            <a:r>
+              <a:rPr lang="es-CO" dirty="0" smtClean="0"/>
+              <a:t>     </a:t>
+            </a:r>
+            <a:r>
+              <a:rPr lang="es-CO" dirty="0" err="1"/>
+              <a:t>this.uuid</a:t>
+            </a:r>
+            <a:r>
+              <a:rPr lang="es-CO" dirty="0"/>
+              <a:t> = </a:t>
+            </a:r>
+            <a:r>
+              <a:rPr lang="es-CO" dirty="0" err="1"/>
+              <a:t>uuid</a:t>
+            </a:r>
+            <a:r>
+              <a:rPr lang="es-CO" dirty="0"/>
+              <a:t>;</a:t>
+            </a:r>
+          </a:p>
+          <a:p>
+            <a:r>
+              <a:rPr lang="es-CO" dirty="0"/>
+              <a:t>        </a:t>
+            </a:r>
+            <a:r>
+              <a:rPr lang="es-CO" dirty="0" err="1"/>
+              <a:t>this.Name</a:t>
+            </a:r>
+            <a:r>
+              <a:rPr lang="es-CO" dirty="0"/>
+              <a:t> = </a:t>
+            </a:r>
+            <a:r>
+              <a:rPr lang="es-CO" dirty="0" err="1"/>
+              <a:t>Name</a:t>
+            </a:r>
+            <a:r>
+              <a:rPr lang="es-CO" dirty="0"/>
+              <a:t>;</a:t>
+            </a:r>
+          </a:p>
+          <a:p>
+            <a:r>
+              <a:rPr lang="es-CO" dirty="0"/>
+              <a:t>        </a:t>
+            </a:r>
+            <a:r>
+              <a:rPr lang="es-CO" dirty="0" err="1"/>
+              <a:t>this.lastName</a:t>
+            </a:r>
+            <a:r>
+              <a:rPr lang="es-CO" dirty="0"/>
+              <a:t> = </a:t>
+            </a:r>
+            <a:r>
+              <a:rPr lang="es-CO" dirty="0" err="1"/>
+              <a:t>lastName</a:t>
+            </a:r>
+            <a:r>
+              <a:rPr lang="es-CO" dirty="0"/>
+              <a:t>;</a:t>
+            </a:r>
+          </a:p>
+          <a:p>
+            <a:pPr marL="201168" lvl="1" indent="0">
+              <a:buNone/>
+            </a:pPr>
+            <a:r>
+              <a:rPr lang="es-CO" dirty="0" smtClean="0"/>
+              <a:t>  }</a:t>
+            </a:r>
+          </a:p>
+          <a:p>
+            <a:r>
+              <a:rPr lang="es-CO" dirty="0"/>
+              <a:t> </a:t>
+            </a:r>
+            <a:r>
+              <a:rPr lang="es-CO" dirty="0" smtClean="0"/>
+              <a:t>   </a:t>
+            </a:r>
+            <a:r>
+              <a:rPr lang="es-CO" dirty="0" err="1" smtClean="0"/>
+              <a:t>toJson</a:t>
+            </a:r>
+            <a:r>
+              <a:rPr lang="es-CO" dirty="0"/>
+              <a:t>(){</a:t>
+            </a:r>
+          </a:p>
+          <a:p>
+            <a:r>
+              <a:rPr lang="es-CO" b="1" dirty="0" smtClean="0"/>
+              <a:t>        </a:t>
+            </a:r>
+            <a:r>
+              <a:rPr lang="es-CO" b="1" dirty="0" err="1" smtClean="0"/>
+              <a:t>return</a:t>
+            </a:r>
+            <a:r>
+              <a:rPr lang="es-CO" dirty="0" smtClean="0"/>
+              <a:t> </a:t>
+            </a:r>
+            <a:r>
+              <a:rPr lang="es-CO" dirty="0" err="1"/>
+              <a:t>JSON.stringify</a:t>
+            </a:r>
+            <a:r>
+              <a:rPr lang="es-CO" dirty="0"/>
+              <a:t>(</a:t>
+            </a:r>
+            <a:r>
+              <a:rPr lang="es-CO" dirty="0" err="1"/>
+              <a:t>this</a:t>
+            </a:r>
+            <a:r>
+              <a:rPr lang="es-CO" dirty="0"/>
+              <a:t>)</a:t>
+            </a:r>
+          </a:p>
+          <a:p>
+            <a:pPr marL="201168" lvl="1" indent="0">
+              <a:buNone/>
+            </a:pPr>
+            <a:r>
+              <a:rPr lang="es-CO" dirty="0" smtClean="0"/>
+              <a:t>  }</a:t>
+            </a:r>
+            <a:endParaRPr lang="es-CO" dirty="0"/>
+          </a:p>
+          <a:p>
+            <a:r>
+              <a:rPr lang="es-CO" dirty="0" smtClean="0"/>
+              <a:t>}</a:t>
+            </a:r>
+          </a:p>
+          <a:p>
+            <a:r>
+              <a:rPr lang="es-ES" dirty="0" smtClean="0"/>
+              <a:t>Cada uno de los objetos puede tener una función para transformarlo en JSON</a:t>
+            </a:r>
+            <a:endParaRPr lang="es-CO" dirty="0"/>
+          </a:p>
+        </p:txBody>
+      </p:sp>
+    </p:spTree>
+    <p:extLst>
+      <p:ext uri="{BB962C8B-B14F-4D97-AF65-F5344CB8AC3E}">
+        <p14:creationId xmlns:p14="http://schemas.microsoft.com/office/powerpoint/2010/main" val="2670553552"/>
+      </p:ext>
+    </p:extLst>
+  </p:cSld>
+  <p:clrMapOvr>
+    <a:masterClrMapping/>
+  </p:clrMapOvr>
+  <p:timing>
+    <p:tnLst>
+      <p:par>
+        <p:cTn id="1" dur="indefinite" restart="never" nodeType="tmRoot"/>
+      </p:par>
+    </p:tnLst>
+  </p:timing>
+</p:sld>
+</file>
+
+<file path=ppt/slides/slide16.xml><?xml version="1.0" encoding="utf-8"?>
+<p:sld xmlns:a="http://schemas.openxmlformats.org/drawingml/2006/main" xmlns:r="http://schemas.openxmlformats.org/officeDocument/2006/relationships" xmlns:p="http://schemas.openxmlformats.org/presentationml/2006/main">
+  <p:cSld>
+    <p:spTree>
+      <p:nvGrpSpPr>
+        <p:cNvPr id="1" name=""/>
+        <p:cNvGrpSpPr/>
+        <p:nvPr/>
+      </p:nvGrpSpPr>
+      <p:grpSpPr>
+        <a:xfrm>
+          <a:off x="0" y="0"/>
+          <a:ext cx="0" cy="0"/>
+          <a:chOff x="0" y="0"/>
+          <a:chExt cx="0" cy="0"/>
+        </a:xfrm>
+      </p:grpSpPr>
+      <p:sp>
+        <p:nvSpPr>
+          <p:cNvPr id="2" name="Título 1"/>
+          <p:cNvSpPr>
+            <a:spLocks noGrp="1"/>
+          </p:cNvSpPr>
+          <p:nvPr>
+            <p:ph type="title"/>
+          </p:nvPr>
+        </p:nvSpPr>
+        <p:spPr/>
+        <p:txBody>
+          <a:bodyPr/>
+          <a:lstStyle/>
+          <a:p>
+            <a:r>
+              <a:rPr lang="es-ES" dirty="0" smtClean="0"/>
+              <a:t>AJAX</a:t>
+            </a:r>
+            <a:endParaRPr lang="es-CO" dirty="0"/>
+          </a:p>
+        </p:txBody>
+      </p:sp>
+      <p:sp>
+        <p:nvSpPr>
+          <p:cNvPr id="3" name="Marcador de contenido 2"/>
+          <p:cNvSpPr>
+            <a:spLocks noGrp="1"/>
+          </p:cNvSpPr>
+          <p:nvPr>
+            <p:ph idx="1"/>
+          </p:nvPr>
+        </p:nvSpPr>
+        <p:spPr/>
+        <p:txBody>
+          <a:bodyPr>
+            <a:normAutofit lnSpcReduction="10000"/>
+          </a:bodyPr>
+          <a:lstStyle/>
+          <a:p>
+            <a:r>
+              <a:rPr lang="es-CO" dirty="0"/>
+              <a:t>$.</a:t>
+            </a:r>
+            <a:r>
+              <a:rPr lang="es-CO" dirty="0" err="1"/>
+              <a:t>ajax</a:t>
+            </a:r>
+            <a:r>
+              <a:rPr lang="es-CO" dirty="0"/>
+              <a:t>({</a:t>
+            </a:r>
+          </a:p>
+          <a:p>
+            <a:r>
+              <a:rPr lang="es-CO" dirty="0"/>
+              <a:t>	</a:t>
+            </a:r>
+            <a:r>
+              <a:rPr lang="es-CO" dirty="0" err="1"/>
+              <a:t>url</a:t>
+            </a:r>
+            <a:r>
+              <a:rPr lang="es-CO" dirty="0"/>
+              <a:t> : "web/guaral/</a:t>
+            </a:r>
+            <a:r>
+              <a:rPr lang="es-CO" dirty="0" err="1"/>
+              <a:t>rpc</a:t>
+            </a:r>
+            <a:r>
+              <a:rPr lang="es-CO" dirty="0"/>
+              <a:t>/</a:t>
+            </a:r>
+            <a:r>
+              <a:rPr lang="es-CO" dirty="0" err="1"/>
+              <a:t>updatePatient</a:t>
+            </a:r>
+            <a:r>
+              <a:rPr lang="es-CO" dirty="0"/>
+              <a:t>",</a:t>
+            </a:r>
+          </a:p>
+          <a:p>
+            <a:r>
+              <a:rPr lang="es-CO" dirty="0"/>
+              <a:t>	</a:t>
+            </a:r>
+            <a:r>
+              <a:rPr lang="es-CO" dirty="0" err="1"/>
+              <a:t>type</a:t>
+            </a:r>
+            <a:r>
+              <a:rPr lang="es-CO" dirty="0"/>
+              <a:t> : "PUT",</a:t>
+            </a:r>
+          </a:p>
+          <a:p>
+            <a:r>
+              <a:rPr lang="es-CO" dirty="0"/>
+              <a:t>	</a:t>
+            </a:r>
+            <a:r>
+              <a:rPr lang="es-CO" dirty="0" err="1"/>
+              <a:t>contentType</a:t>
+            </a:r>
+            <a:r>
+              <a:rPr lang="es-CO" dirty="0"/>
+              <a:t> : "</a:t>
+            </a:r>
+            <a:r>
+              <a:rPr lang="es-CO" dirty="0" err="1"/>
+              <a:t>application</a:t>
+            </a:r>
+            <a:r>
+              <a:rPr lang="es-CO" dirty="0"/>
+              <a:t>/</a:t>
+            </a:r>
+            <a:r>
+              <a:rPr lang="es-CO" dirty="0" err="1"/>
+              <a:t>json</a:t>
+            </a:r>
+            <a:r>
+              <a:rPr lang="es-CO" dirty="0"/>
+              <a:t>",</a:t>
+            </a:r>
+          </a:p>
+          <a:p>
+            <a:r>
+              <a:rPr lang="es-CO" dirty="0"/>
+              <a:t>	data : </a:t>
+            </a:r>
+            <a:r>
+              <a:rPr lang="es-CO" dirty="0" err="1"/>
+              <a:t>JSON.stringify</a:t>
+            </a:r>
+            <a:r>
+              <a:rPr lang="es-CO" dirty="0"/>
+              <a:t>(objeto)</a:t>
+            </a:r>
+          </a:p>
+          <a:p>
+            <a:r>
+              <a:rPr lang="es-CO" dirty="0" smtClean="0"/>
+              <a:t>}).</a:t>
+            </a:r>
+            <a:r>
+              <a:rPr lang="es-CO" dirty="0"/>
+              <a:t>done(</a:t>
+            </a:r>
+            <a:r>
+              <a:rPr lang="es-CO" dirty="0" err="1"/>
+              <a:t>function</a:t>
+            </a:r>
+            <a:r>
+              <a:rPr lang="es-CO" dirty="0"/>
+              <a:t>(response) {</a:t>
+            </a:r>
+          </a:p>
+          <a:p>
+            <a:r>
+              <a:rPr lang="es-CO" dirty="0" smtClean="0"/>
+              <a:t>}).;</a:t>
+            </a:r>
+          </a:p>
+          <a:p>
+            <a:r>
+              <a:rPr lang="es-ES" dirty="0" smtClean="0"/>
+              <a:t>AJAX, usando </a:t>
+            </a:r>
+            <a:r>
+              <a:rPr lang="es-ES" dirty="0" err="1" smtClean="0"/>
+              <a:t>Jquery</a:t>
+            </a:r>
+            <a:r>
+              <a:rPr lang="es-ES" dirty="0" smtClean="0"/>
+              <a:t> se como en el código de ejemplo. Con esto se pueden hacer HTTP </a:t>
+            </a:r>
+            <a:r>
+              <a:rPr lang="es-ES" dirty="0" err="1" smtClean="0"/>
+              <a:t>Request</a:t>
+            </a:r>
+            <a:r>
+              <a:rPr lang="es-ES" dirty="0" smtClean="0"/>
+              <a:t> y al finalizar la solicitud, si fue exitosa, podemos obtener la respuesta a través de la </a:t>
+            </a:r>
+            <a:r>
+              <a:rPr lang="es-ES" dirty="0" err="1" smtClean="0"/>
+              <a:t>varible</a:t>
+            </a:r>
+            <a:r>
+              <a:rPr lang="es-ES" dirty="0" smtClean="0"/>
+              <a:t> response, dentro del método done()</a:t>
+            </a:r>
+            <a:endParaRPr lang="es-CO" dirty="0"/>
+          </a:p>
+        </p:txBody>
+      </p:sp>
+    </p:spTree>
+    <p:extLst>
+      <p:ext uri="{BB962C8B-B14F-4D97-AF65-F5344CB8AC3E}">
+        <p14:creationId xmlns:p14="http://schemas.microsoft.com/office/powerpoint/2010/main" val="3582333930"/>
+      </p:ext>
+    </p:extLst>
+  </p:cSld>
+  <p:clrMapOvr>
+    <a:masterClrMapping/>
+  </p:clrMapOvr>
+  <p:timing>
+    <p:tnLst>
+      <p:par>
+        <p:cTn id="1" dur="indefinite" restart="never" nodeType="tmRoot"/>
+      </p:par>
+    </p:tnLst>
+  </p:timing>
+</p:sld>
+</file>
+
+<file path=ppt/slides/slide17.xml><?xml version="1.0" encoding="utf-8"?>
+<p:sld xmlns:a="http://schemas.openxmlformats.org/drawingml/2006/main" xmlns:r="http://schemas.openxmlformats.org/officeDocument/2006/relationships" xmlns:p="http://schemas.openxmlformats.org/presentationml/2006/main">
+  <p:cSld>
+    <p:spTree>
+      <p:nvGrpSpPr>
+        <p:cNvPr id="1" name=""/>
+        <p:cNvGrpSpPr/>
+        <p:nvPr/>
+      </p:nvGrpSpPr>
+      <p:grpSpPr>
+        <a:xfrm>
+          <a:off x="0" y="0"/>
+          <a:ext cx="0" cy="0"/>
+          <a:chOff x="0" y="0"/>
+          <a:chExt cx="0" cy="0"/>
+        </a:xfrm>
+      </p:grpSpPr>
+      <p:sp>
+        <p:nvSpPr>
+          <p:cNvPr id="2" name="Título 1"/>
+          <p:cNvSpPr>
+            <a:spLocks noGrp="1"/>
+          </p:cNvSpPr>
+          <p:nvPr>
+            <p:ph type="title"/>
+          </p:nvPr>
+        </p:nvSpPr>
+        <p:spPr/>
+        <p:txBody>
+          <a:bodyPr/>
+          <a:lstStyle/>
+          <a:p>
+            <a:r>
+              <a:rPr lang="es-ES" dirty="0" smtClean="0"/>
+              <a:t>AJAX</a:t>
+            </a:r>
+            <a:endParaRPr lang="es-CO" dirty="0"/>
+          </a:p>
+        </p:txBody>
+      </p:sp>
+      <p:sp>
+        <p:nvSpPr>
+          <p:cNvPr id="3" name="Marcador de contenido 2"/>
+          <p:cNvSpPr>
+            <a:spLocks noGrp="1"/>
+          </p:cNvSpPr>
+          <p:nvPr>
+            <p:ph idx="1"/>
+          </p:nvPr>
+        </p:nvSpPr>
+        <p:spPr/>
+        <p:txBody>
+          <a:bodyPr>
+            <a:normAutofit/>
+          </a:bodyPr>
+          <a:lstStyle/>
+          <a:p>
+            <a:r>
+              <a:rPr lang="es-ES" dirty="0" smtClean="0"/>
+              <a:t>usando Ajax es posible que el servidor nos devuelva un objeto formateado en JSON. La forma de recibirlo es usando:</a:t>
+            </a:r>
+          </a:p>
+          <a:p>
+            <a:endParaRPr lang="es-ES" dirty="0"/>
+          </a:p>
+          <a:p>
+            <a:r>
+              <a:rPr lang="es-ES" dirty="0" err="1" smtClean="0"/>
+              <a:t>Obj</a:t>
+            </a:r>
+            <a:r>
+              <a:rPr lang="es-ES" dirty="0" smtClean="0"/>
+              <a:t> = </a:t>
+            </a:r>
+            <a:r>
+              <a:rPr lang="es-ES" dirty="0" err="1" smtClean="0"/>
+              <a:t>JSON.parse</a:t>
+            </a:r>
+            <a:r>
+              <a:rPr lang="es-ES" dirty="0" smtClean="0"/>
+              <a:t>(</a:t>
+            </a:r>
+            <a:r>
+              <a:rPr lang="es-ES" dirty="0" err="1" smtClean="0"/>
+              <a:t>json</a:t>
+            </a:r>
+            <a:r>
+              <a:rPr lang="es-ES" dirty="0" smtClean="0"/>
+              <a:t>);</a:t>
+            </a:r>
+          </a:p>
+          <a:p>
+            <a:endParaRPr lang="es-ES" dirty="0"/>
+          </a:p>
+          <a:p>
+            <a:r>
+              <a:rPr lang="es-ES" dirty="0" smtClean="0"/>
+              <a:t>Para verificar el estado de cualquier variable, se puede usar la consola de </a:t>
+            </a:r>
+            <a:r>
+              <a:rPr lang="es-ES" dirty="0" err="1" smtClean="0"/>
+              <a:t>javascript</a:t>
+            </a:r>
+            <a:endParaRPr lang="es-ES" dirty="0" smtClean="0"/>
+          </a:p>
+          <a:p>
+            <a:r>
+              <a:rPr lang="es-ES" dirty="0" smtClean="0"/>
+              <a:t>console.log(</a:t>
+            </a:r>
+            <a:r>
+              <a:rPr lang="es-ES" dirty="0" err="1" smtClean="0"/>
+              <a:t>Obj</a:t>
+            </a:r>
+            <a:r>
+              <a:rPr lang="es-ES" smtClean="0"/>
+              <a:t>);</a:t>
+            </a:r>
+            <a:endParaRPr lang="es-CO" dirty="0"/>
+          </a:p>
+        </p:txBody>
+      </p:sp>
+    </p:spTree>
+    <p:extLst>
+      <p:ext uri="{BB962C8B-B14F-4D97-AF65-F5344CB8AC3E}">
+        <p14:creationId xmlns:p14="http://schemas.microsoft.com/office/powerpoint/2010/main" val="2153452934"/>
+      </p:ext>
+    </p:extLst>
+  </p:cSld>
+  <p:clrMapOvr>
+    <a:masterClrMapping/>
+  </p:clrMapOvr>
+  <p:timing>
+    <p:tnLst>
+      <p:par>
+        <p:cTn id="1" dur="indefinite" restart="never" nodeType="tmRoot"/>
+      </p:par>
+    </p:tnLst>
+  </p:timing>
+</p:sld>
+</file>
+
+<file path=ppt/slides/slide18.xml><?xml version="1.0" encoding="utf-8"?>
+<p:sld xmlns:a="http://schemas.openxmlformats.org/drawingml/2006/main" xmlns:r="http://schemas.openxmlformats.org/officeDocument/2006/relationships" xmlns:p="http://schemas.openxmlformats.org/presentationml/2006/main">
+  <p:cSld>
+    <p:spTree>
+      <p:nvGrpSpPr>
+        <p:cNvPr id="1" name=""/>
+        <p:cNvGrpSpPr/>
+        <p:nvPr/>
+      </p:nvGrpSpPr>
+      <p:grpSpPr>
+        <a:xfrm>
+          <a:off x="0" y="0"/>
+          <a:ext cx="0" cy="0"/>
+          <a:chOff x="0" y="0"/>
+          <a:chExt cx="0" cy="0"/>
+        </a:xfrm>
+      </p:grpSpPr>
+      <p:sp>
+        <p:nvSpPr>
+          <p:cNvPr id="2" name="Título 1"/>
+          <p:cNvSpPr>
+            <a:spLocks noGrp="1"/>
+          </p:cNvSpPr>
+          <p:nvPr>
+            <p:ph type="title"/>
+          </p:nvPr>
+        </p:nvSpPr>
+        <p:spPr/>
+        <p:txBody>
+          <a:bodyPr/>
+          <a:lstStyle/>
+          <a:p>
+            <a:r>
+              <a:rPr lang="es-ES" dirty="0" smtClean="0"/>
+              <a:t>Ejercicio</a:t>
+            </a:r>
+            <a:endParaRPr lang="es-CO" dirty="0"/>
+          </a:p>
+        </p:txBody>
+      </p:sp>
+      <p:sp>
+        <p:nvSpPr>
+          <p:cNvPr id="3" name="Marcador de contenido 2"/>
+          <p:cNvSpPr>
+            <a:spLocks noGrp="1"/>
+          </p:cNvSpPr>
+          <p:nvPr>
+            <p:ph idx="1"/>
+          </p:nvPr>
+        </p:nvSpPr>
+        <p:spPr/>
+        <p:txBody>
+          <a:bodyPr/>
+          <a:lstStyle/>
+          <a:p>
+            <a:r>
+              <a:rPr lang="es-ES" dirty="0" smtClean="0"/>
+              <a:t>Use el API </a:t>
+            </a:r>
+            <a:r>
+              <a:rPr lang="es-ES" dirty="0" err="1" smtClean="0"/>
+              <a:t>Rest</a:t>
+            </a:r>
+            <a:r>
+              <a:rPr lang="es-ES" dirty="0" smtClean="0"/>
+              <a:t> de ejemplo, que permite inscribir actores, películas y géneros, y se </a:t>
+            </a:r>
+            <a:r>
+              <a:rPr lang="es-ES" dirty="0" err="1" smtClean="0"/>
+              <a:t>JQuery</a:t>
+            </a:r>
+            <a:r>
+              <a:rPr lang="es-ES" dirty="0" smtClean="0"/>
+              <a:t> para insertar actores y listarlos sin necesidad de cambiar de página HTML.</a:t>
+            </a:r>
+            <a:endParaRPr lang="es-CO" dirty="0"/>
+          </a:p>
+        </p:txBody>
+      </p:sp>
+    </p:spTree>
+    <p:extLst>
+      <p:ext uri="{BB962C8B-B14F-4D97-AF65-F5344CB8AC3E}">
+        <p14:creationId xmlns:p14="http://schemas.microsoft.com/office/powerpoint/2010/main" val="274829753"/>
       </p:ext>
     </p:extLst>
   </p:cSld>
@@ -4859,13 +6651,8 @@
           <a:p>
             <a:r>
               <a:rPr lang="es-ES" dirty="0" smtClean="0"/>
-              <a:t>Cree un servicio REST, que le permita subir archivos a trav</a:t>
-            </a:r>
-            <a:r>
-              <a:rPr lang="es-ES" dirty="0" smtClean="0"/>
-              <a:t>és de internet y le permita listar los archivos subidos para dar una vista estilo Dropbox o Google Drive.</a:t>
-            </a:r>
-            <a:endParaRPr lang="es-ES" dirty="0" smtClean="0"/>
+              <a:t>Cree un servicio REST, que le permita subir archivos a través de internet y le permita listar los archivos subidos para dar una vista estilo Dropbox o Google Drive.</a:t>
+            </a:r>
           </a:p>
         </p:txBody>
       </p:sp>
@@ -4958,6 +6745,633 @@
     <p:extLst>
       <p:ext uri="{BB962C8B-B14F-4D97-AF65-F5344CB8AC3E}">
         <p14:creationId xmlns:p14="http://schemas.microsoft.com/office/powerpoint/2010/main" val="3326240179"/>
+      </p:ext>
+    </p:extLst>
+  </p:cSld>
+  <p:clrMapOvr>
+    <a:masterClrMapping/>
+  </p:clrMapOvr>
+  <p:timing>
+    <p:tnLst>
+      <p:par>
+        <p:cTn id="1" dur="indefinite" restart="never" nodeType="tmRoot"/>
+      </p:par>
+    </p:tnLst>
+  </p:timing>
+</p:sld>
+</file>
+
+<file path=ppt/slides/slide6.xml><?xml version="1.0" encoding="utf-8"?>
+<p:sld xmlns:a="http://schemas.openxmlformats.org/drawingml/2006/main" xmlns:r="http://schemas.openxmlformats.org/officeDocument/2006/relationships" xmlns:p="http://schemas.openxmlformats.org/presentationml/2006/main">
+  <p:cSld>
+    <p:spTree>
+      <p:nvGrpSpPr>
+        <p:cNvPr id="1" name=""/>
+        <p:cNvGrpSpPr/>
+        <p:nvPr/>
+      </p:nvGrpSpPr>
+      <p:grpSpPr>
+        <a:xfrm>
+          <a:off x="0" y="0"/>
+          <a:ext cx="0" cy="0"/>
+          <a:chOff x="0" y="0"/>
+          <a:chExt cx="0" cy="0"/>
+        </a:xfrm>
+      </p:grpSpPr>
+      <p:sp>
+        <p:nvSpPr>
+          <p:cNvPr id="2" name="Título 1"/>
+          <p:cNvSpPr>
+            <a:spLocks noGrp="1"/>
+          </p:cNvSpPr>
+          <p:nvPr>
+            <p:ph type="ctrTitle"/>
+          </p:nvPr>
+        </p:nvSpPr>
+        <p:spPr/>
+        <p:txBody>
+          <a:bodyPr/>
+          <a:lstStyle/>
+          <a:p>
+            <a:r>
+              <a:rPr lang="es-ES" dirty="0" smtClean="0"/>
+              <a:t>JAVASCRIPT</a:t>
+            </a:r>
+            <a:endParaRPr lang="es-CO" dirty="0"/>
+          </a:p>
+        </p:txBody>
+      </p:sp>
+      <p:sp>
+        <p:nvSpPr>
+          <p:cNvPr id="3" name="Subtítulo 2"/>
+          <p:cNvSpPr>
+            <a:spLocks noGrp="1"/>
+          </p:cNvSpPr>
+          <p:nvPr>
+            <p:ph type="subTitle" idx="1"/>
+          </p:nvPr>
+        </p:nvSpPr>
+        <p:spPr/>
+        <p:txBody>
+          <a:bodyPr/>
+          <a:lstStyle/>
+          <a:p>
+            <a:endParaRPr lang="es-CO"/>
+          </a:p>
+        </p:txBody>
+      </p:sp>
+    </p:spTree>
+    <p:extLst>
+      <p:ext uri="{BB962C8B-B14F-4D97-AF65-F5344CB8AC3E}">
+        <p14:creationId xmlns:p14="http://schemas.microsoft.com/office/powerpoint/2010/main" val="2739822565"/>
+      </p:ext>
+    </p:extLst>
+  </p:cSld>
+  <p:clrMapOvr>
+    <a:masterClrMapping/>
+  </p:clrMapOvr>
+  <p:timing>
+    <p:tnLst>
+      <p:par>
+        <p:cTn id="1" dur="indefinite" restart="never" nodeType="tmRoot"/>
+      </p:par>
+    </p:tnLst>
+  </p:timing>
+</p:sld>
+</file>
+
+<file path=ppt/slides/slide7.xml><?xml version="1.0" encoding="utf-8"?>
+<p:sld xmlns:a="http://schemas.openxmlformats.org/drawingml/2006/main" xmlns:r="http://schemas.openxmlformats.org/officeDocument/2006/relationships" xmlns:p="http://schemas.openxmlformats.org/presentationml/2006/main">
+  <p:cSld>
+    <p:spTree>
+      <p:nvGrpSpPr>
+        <p:cNvPr id="1" name=""/>
+        <p:cNvGrpSpPr/>
+        <p:nvPr/>
+      </p:nvGrpSpPr>
+      <p:grpSpPr>
+        <a:xfrm>
+          <a:off x="0" y="0"/>
+          <a:ext cx="0" cy="0"/>
+          <a:chOff x="0" y="0"/>
+          <a:chExt cx="0" cy="0"/>
+        </a:xfrm>
+      </p:grpSpPr>
+      <p:sp>
+        <p:nvSpPr>
+          <p:cNvPr id="2" name="Título 1"/>
+          <p:cNvSpPr>
+            <a:spLocks noGrp="1"/>
+          </p:cNvSpPr>
+          <p:nvPr>
+            <p:ph type="title"/>
+          </p:nvPr>
+        </p:nvSpPr>
+        <p:spPr/>
+        <p:txBody>
+          <a:bodyPr/>
+          <a:lstStyle/>
+          <a:p>
+            <a:r>
+              <a:rPr lang="es-ES" dirty="0" err="1" smtClean="0"/>
+              <a:t>Javascript</a:t>
+            </a:r>
+            <a:endParaRPr lang="es-CO" dirty="0"/>
+          </a:p>
+        </p:txBody>
+      </p:sp>
+      <p:sp>
+        <p:nvSpPr>
+          <p:cNvPr id="3" name="Marcador de contenido 2"/>
+          <p:cNvSpPr>
+            <a:spLocks noGrp="1"/>
+          </p:cNvSpPr>
+          <p:nvPr>
+            <p:ph idx="1"/>
+          </p:nvPr>
+        </p:nvSpPr>
+        <p:spPr>
+          <a:xfrm>
+            <a:off x="1097280" y="1845734"/>
+            <a:ext cx="5431339" cy="4023360"/>
+          </a:xfrm>
+        </p:spPr>
+        <p:txBody>
+          <a:bodyPr>
+            <a:normAutofit lnSpcReduction="10000"/>
+          </a:bodyPr>
+          <a:lstStyle/>
+          <a:p>
+            <a:pPr>
+              <a:buFont typeface="Wingdings" panose="05000000000000000000" pitchFamily="2" charset="2"/>
+              <a:buChar char="Ø"/>
+            </a:pPr>
+            <a:r>
+              <a:rPr lang="es-ES" sz="2400" dirty="0" smtClean="0"/>
+              <a:t>Es un lenguaje que nos permite manipular el DOM de una página WEB.</a:t>
+            </a:r>
+          </a:p>
+          <a:p>
+            <a:pPr>
+              <a:buFont typeface="Wingdings" panose="05000000000000000000" pitchFamily="2" charset="2"/>
+              <a:buChar char="Ø"/>
+            </a:pPr>
+            <a:endParaRPr lang="es-ES" sz="2400" dirty="0"/>
+          </a:p>
+          <a:p>
+            <a:pPr>
+              <a:buFont typeface="Wingdings" panose="05000000000000000000" pitchFamily="2" charset="2"/>
+              <a:buChar char="Ø"/>
+            </a:pPr>
+            <a:r>
+              <a:rPr lang="es-ES" sz="2400" dirty="0" smtClean="0"/>
+              <a:t>El DOM representa un conjunto estándar de objetos sobre una página </a:t>
+            </a:r>
+            <a:r>
+              <a:rPr lang="es-ES" sz="2400" dirty="0" err="1" smtClean="0"/>
+              <a:t>html</a:t>
+            </a:r>
+            <a:r>
+              <a:rPr lang="es-ES" sz="2400" dirty="0" smtClean="0"/>
+              <a:t>.</a:t>
+            </a:r>
+          </a:p>
+          <a:p>
+            <a:pPr>
+              <a:buFont typeface="Wingdings" panose="05000000000000000000" pitchFamily="2" charset="2"/>
+              <a:buChar char="Ø"/>
+            </a:pPr>
+            <a:endParaRPr lang="es-ES" sz="2400" dirty="0" smtClean="0"/>
+          </a:p>
+          <a:p>
+            <a:pPr>
+              <a:buFont typeface="Wingdings" panose="05000000000000000000" pitchFamily="2" charset="2"/>
+              <a:buChar char="Ø"/>
+            </a:pPr>
+            <a:r>
+              <a:rPr lang="es-ES" sz="2400" dirty="0" smtClean="0"/>
+              <a:t>Es un lenguaje débilmente </a:t>
+            </a:r>
+            <a:r>
+              <a:rPr lang="es-ES" sz="2400" dirty="0" err="1" smtClean="0"/>
+              <a:t>tipado</a:t>
+            </a:r>
+            <a:endParaRPr lang="es-ES" sz="2400" dirty="0" smtClean="0"/>
+          </a:p>
+          <a:p>
+            <a:pPr>
+              <a:buFont typeface="Wingdings" panose="05000000000000000000" pitchFamily="2" charset="2"/>
+              <a:buChar char="Ø"/>
+            </a:pPr>
+            <a:endParaRPr lang="es-ES" sz="2400" dirty="0" smtClean="0"/>
+          </a:p>
+          <a:p>
+            <a:pPr>
+              <a:buFont typeface="Wingdings" panose="05000000000000000000" pitchFamily="2" charset="2"/>
+              <a:buChar char="Ø"/>
+            </a:pPr>
+            <a:r>
+              <a:rPr lang="es-ES" sz="2400" dirty="0" smtClean="0"/>
+              <a:t>No es compilado, sino interpretado.</a:t>
+            </a:r>
+            <a:endParaRPr lang="es-CO" sz="2400" dirty="0"/>
+          </a:p>
+        </p:txBody>
+      </p:sp>
+      <p:pic>
+        <p:nvPicPr>
+          <p:cNvPr id="5" name="Imagen 4"/>
+          <p:cNvPicPr>
+            <a:picLocks noChangeAspect="1"/>
+          </p:cNvPicPr>
+          <p:nvPr/>
+        </p:nvPicPr>
+        <p:blipFill rotWithShape="1">
+          <a:blip r:embed="rId2"/>
+          <a:srcRect l="75952" t="25835" r="4545" b="40106"/>
+          <a:stretch/>
+        </p:blipFill>
+        <p:spPr>
+          <a:xfrm>
+            <a:off x="7588831" y="2242686"/>
+            <a:ext cx="3566849" cy="3503596"/>
+          </a:xfrm>
+          <a:prstGeom prst="rect">
+            <a:avLst/>
+          </a:prstGeom>
+        </p:spPr>
+      </p:pic>
+    </p:spTree>
+    <p:extLst>
+      <p:ext uri="{BB962C8B-B14F-4D97-AF65-F5344CB8AC3E}">
+        <p14:creationId xmlns:p14="http://schemas.microsoft.com/office/powerpoint/2010/main" val="316868209"/>
+      </p:ext>
+    </p:extLst>
+  </p:cSld>
+  <p:clrMapOvr>
+    <a:masterClrMapping/>
+  </p:clrMapOvr>
+  <p:timing>
+    <p:tnLst>
+      <p:par>
+        <p:cTn id="1" dur="indefinite" restart="never" nodeType="tmRoot"/>
+      </p:par>
+    </p:tnLst>
+  </p:timing>
+</p:sld>
+</file>
+
+<file path=ppt/slides/slide8.xml><?xml version="1.0" encoding="utf-8"?>
+<p:sld xmlns:a="http://schemas.openxmlformats.org/drawingml/2006/main" xmlns:r="http://schemas.openxmlformats.org/officeDocument/2006/relationships" xmlns:p="http://schemas.openxmlformats.org/presentationml/2006/main">
+  <p:cSld>
+    <p:spTree>
+      <p:nvGrpSpPr>
+        <p:cNvPr id="1" name=""/>
+        <p:cNvGrpSpPr/>
+        <p:nvPr/>
+      </p:nvGrpSpPr>
+      <p:grpSpPr>
+        <a:xfrm>
+          <a:off x="0" y="0"/>
+          <a:ext cx="0" cy="0"/>
+          <a:chOff x="0" y="0"/>
+          <a:chExt cx="0" cy="0"/>
+        </a:xfrm>
+      </p:grpSpPr>
+      <p:sp>
+        <p:nvSpPr>
+          <p:cNvPr id="2" name="Título 1"/>
+          <p:cNvSpPr>
+            <a:spLocks noGrp="1"/>
+          </p:cNvSpPr>
+          <p:nvPr>
+            <p:ph type="title"/>
+          </p:nvPr>
+        </p:nvSpPr>
+        <p:spPr/>
+        <p:txBody>
+          <a:bodyPr/>
+          <a:lstStyle/>
+          <a:p>
+            <a:r>
+              <a:rPr lang="es-ES" dirty="0" smtClean="0"/>
+              <a:t>Tipos de datos</a:t>
+            </a:r>
+            <a:endParaRPr lang="es-CO" dirty="0"/>
+          </a:p>
+        </p:txBody>
+      </p:sp>
+      <p:sp>
+        <p:nvSpPr>
+          <p:cNvPr id="3" name="Marcador de contenido 2"/>
+          <p:cNvSpPr>
+            <a:spLocks noGrp="1"/>
+          </p:cNvSpPr>
+          <p:nvPr>
+            <p:ph idx="1"/>
+          </p:nvPr>
+        </p:nvSpPr>
+        <p:spPr>
+          <a:xfrm>
+            <a:off x="1097280" y="1845734"/>
+            <a:ext cx="5139891" cy="4023360"/>
+          </a:xfrm>
+        </p:spPr>
+        <p:txBody>
+          <a:bodyPr>
+            <a:normAutofit lnSpcReduction="10000"/>
+          </a:bodyPr>
+          <a:lstStyle/>
+          <a:p>
+            <a:r>
+              <a:rPr lang="es-ES" b="1" dirty="0" smtClean="0"/>
+              <a:t>Primitivos</a:t>
+            </a:r>
+          </a:p>
+          <a:p>
+            <a:r>
+              <a:rPr lang="es-ES" dirty="0" err="1" smtClean="0"/>
+              <a:t>Boolean</a:t>
+            </a:r>
+            <a:r>
+              <a:rPr lang="es-ES" dirty="0" smtClean="0"/>
+              <a:t>: Datos que representan 0 o 1</a:t>
+            </a:r>
+          </a:p>
+          <a:p>
+            <a:r>
+              <a:rPr lang="es-ES" dirty="0" smtClean="0"/>
+              <a:t>Numéricos: Números con doble precisión, que no hace distinción entre enteros y flotantes.</a:t>
+            </a:r>
+          </a:p>
+          <a:p>
+            <a:r>
+              <a:rPr lang="es-ES" dirty="0" err="1" smtClean="0"/>
+              <a:t>String</a:t>
+            </a:r>
+            <a:r>
+              <a:rPr lang="es-ES" dirty="0" smtClean="0"/>
+              <a:t>: Representa cadenas de texto.</a:t>
+            </a:r>
+          </a:p>
+          <a:p>
+            <a:endParaRPr lang="es-ES" dirty="0" smtClean="0"/>
+          </a:p>
+          <a:p>
+            <a:r>
+              <a:rPr lang="es-ES" b="1" dirty="0" smtClean="0"/>
+              <a:t>Objetos</a:t>
+            </a:r>
+          </a:p>
+          <a:p>
+            <a:r>
+              <a:rPr lang="es-ES" dirty="0" smtClean="0"/>
+              <a:t>Arreglo: Un conjunto de variables u objetos ordenados.</a:t>
+            </a:r>
+          </a:p>
+          <a:p>
+            <a:r>
+              <a:rPr lang="es-ES" dirty="0" err="1" smtClean="0"/>
+              <a:t>Map</a:t>
+            </a:r>
+            <a:r>
+              <a:rPr lang="es-ES" dirty="0" smtClean="0"/>
+              <a:t>: Un conjuntos de &lt;</a:t>
+            </a:r>
+            <a:r>
+              <a:rPr lang="es-ES" dirty="0" err="1" smtClean="0"/>
+              <a:t>key</a:t>
+            </a:r>
+            <a:r>
+              <a:rPr lang="es-ES" dirty="0" smtClean="0"/>
+              <a:t>, </a:t>
+            </a:r>
+            <a:r>
+              <a:rPr lang="es-ES" dirty="0" err="1" smtClean="0"/>
+              <a:t>values</a:t>
+            </a:r>
+            <a:r>
+              <a:rPr lang="es-ES" dirty="0" smtClean="0"/>
+              <a:t>&gt;</a:t>
+            </a:r>
+          </a:p>
+        </p:txBody>
+      </p:sp>
+      <p:sp>
+        <p:nvSpPr>
+          <p:cNvPr id="5" name="Rectángulo 4"/>
+          <p:cNvSpPr/>
+          <p:nvPr/>
+        </p:nvSpPr>
+        <p:spPr>
+          <a:xfrm>
+            <a:off x="6339840" y="1845734"/>
+            <a:ext cx="4815840" cy="1631216"/>
+          </a:xfrm>
+          <a:prstGeom prst="rect">
+            <a:avLst/>
+          </a:prstGeom>
+        </p:spPr>
+        <p:txBody>
+          <a:bodyPr wrap="square">
+            <a:spAutoFit/>
+          </a:bodyPr>
+          <a:lstStyle/>
+          <a:p>
+            <a:r>
+              <a:rPr lang="es-ES" sz="2000" b="1" dirty="0"/>
+              <a:t>Ausencias</a:t>
+            </a:r>
+          </a:p>
+          <a:p>
+            <a:r>
+              <a:rPr lang="es-ES" sz="2000" dirty="0" err="1"/>
+              <a:t>undefined</a:t>
+            </a:r>
+            <a:r>
+              <a:rPr lang="es-ES" sz="2000" dirty="0"/>
+              <a:t>: la variable fue declarada pero no definida.</a:t>
+            </a:r>
+          </a:p>
+          <a:p>
+            <a:r>
+              <a:rPr lang="es-ES" sz="2000" dirty="0" err="1"/>
+              <a:t>null</a:t>
+            </a:r>
+            <a:r>
+              <a:rPr lang="es-ES" sz="2000" dirty="0"/>
+              <a:t>: Representa que la variable ha sido declarada, pero se le asignó el valor de nulo</a:t>
+            </a:r>
+            <a:endParaRPr lang="es-CO" sz="2000" dirty="0"/>
+          </a:p>
+        </p:txBody>
+      </p:sp>
+    </p:spTree>
+    <p:extLst>
+      <p:ext uri="{BB962C8B-B14F-4D97-AF65-F5344CB8AC3E}">
+        <p14:creationId xmlns:p14="http://schemas.microsoft.com/office/powerpoint/2010/main" val="4266693076"/>
+      </p:ext>
+    </p:extLst>
+  </p:cSld>
+  <p:clrMapOvr>
+    <a:masterClrMapping/>
+  </p:clrMapOvr>
+  <p:timing>
+    <p:tnLst>
+      <p:par>
+        <p:cTn id="1" dur="indefinite" restart="never" nodeType="tmRoot"/>
+      </p:par>
+    </p:tnLst>
+  </p:timing>
+</p:sld>
+</file>
+
+<file path=ppt/slides/slide9.xml><?xml version="1.0" encoding="utf-8"?>
+<p:sld xmlns:a="http://schemas.openxmlformats.org/drawingml/2006/main" xmlns:r="http://schemas.openxmlformats.org/officeDocument/2006/relationships" xmlns:p="http://schemas.openxmlformats.org/presentationml/2006/main">
+  <p:cSld>
+    <p:spTree>
+      <p:nvGrpSpPr>
+        <p:cNvPr id="1" name=""/>
+        <p:cNvGrpSpPr/>
+        <p:nvPr/>
+      </p:nvGrpSpPr>
+      <p:grpSpPr>
+        <a:xfrm>
+          <a:off x="0" y="0"/>
+          <a:ext cx="0" cy="0"/>
+          <a:chOff x="0" y="0"/>
+          <a:chExt cx="0" cy="0"/>
+        </a:xfrm>
+      </p:grpSpPr>
+      <p:sp>
+        <p:nvSpPr>
+          <p:cNvPr id="2" name="Título 1"/>
+          <p:cNvSpPr>
+            <a:spLocks noGrp="1"/>
+          </p:cNvSpPr>
+          <p:nvPr>
+            <p:ph type="title"/>
+          </p:nvPr>
+        </p:nvSpPr>
+        <p:spPr/>
+        <p:txBody>
+          <a:bodyPr/>
+          <a:lstStyle/>
+          <a:p>
+            <a:r>
+              <a:rPr lang="es-ES" dirty="0" smtClean="0"/>
+              <a:t>Funciones</a:t>
+            </a:r>
+            <a:endParaRPr lang="es-CO" dirty="0"/>
+          </a:p>
+        </p:txBody>
+      </p:sp>
+      <p:sp>
+        <p:nvSpPr>
+          <p:cNvPr id="3" name="Marcador de contenido 2"/>
+          <p:cNvSpPr>
+            <a:spLocks noGrp="1"/>
+          </p:cNvSpPr>
+          <p:nvPr>
+            <p:ph idx="1"/>
+          </p:nvPr>
+        </p:nvSpPr>
+        <p:spPr/>
+        <p:txBody>
+          <a:bodyPr/>
+          <a:lstStyle/>
+          <a:p>
+            <a:r>
+              <a:rPr lang="es-ES" dirty="0" smtClean="0"/>
+              <a:t>Tienen la particularidad que pueden devolver o no devolver información. NO se debe definir el tipo de salida, esto es interpretado.</a:t>
+            </a:r>
+          </a:p>
+          <a:p>
+            <a:r>
+              <a:rPr lang="es-ES" dirty="0" smtClean="0"/>
+              <a:t>Tampoco se define cuál es el tipo de entrada, también es interpretado</a:t>
+            </a:r>
+            <a:endParaRPr lang="es-CO" dirty="0"/>
+          </a:p>
+        </p:txBody>
+      </p:sp>
+      <p:sp>
+        <p:nvSpPr>
+          <p:cNvPr id="5" name="Rectángulo 4"/>
+          <p:cNvSpPr/>
+          <p:nvPr/>
+        </p:nvSpPr>
+        <p:spPr>
+          <a:xfrm>
+            <a:off x="1097280" y="3395749"/>
+            <a:ext cx="6096000" cy="923330"/>
+          </a:xfrm>
+          <a:prstGeom prst="rect">
+            <a:avLst/>
+          </a:prstGeom>
+        </p:spPr>
+        <p:txBody>
+          <a:bodyPr>
+            <a:spAutoFit/>
+          </a:bodyPr>
+          <a:lstStyle/>
+          <a:p>
+            <a:r>
+              <a:rPr lang="es-CO" b="1" dirty="0" err="1"/>
+              <a:t>function</a:t>
+            </a:r>
+            <a:r>
+              <a:rPr lang="es-CO" dirty="0"/>
+              <a:t> </a:t>
+            </a:r>
+            <a:r>
+              <a:rPr lang="es-CO" dirty="0" smtClean="0"/>
+              <a:t>suma(a, b) </a:t>
+            </a:r>
+            <a:r>
+              <a:rPr lang="es-CO" dirty="0"/>
+              <a:t>{</a:t>
+            </a:r>
+          </a:p>
+          <a:p>
+            <a:r>
+              <a:rPr lang="es-CO" dirty="0"/>
+              <a:t> </a:t>
+            </a:r>
+            <a:r>
+              <a:rPr lang="es-CO" dirty="0" smtClean="0"/>
+              <a:t>     </a:t>
+            </a:r>
+            <a:r>
+              <a:rPr lang="es-CO" b="1" dirty="0" err="1" smtClean="0"/>
+              <a:t>return</a:t>
+            </a:r>
+            <a:r>
+              <a:rPr lang="es-CO" dirty="0" smtClean="0"/>
+              <a:t> </a:t>
+            </a:r>
+            <a:r>
+              <a:rPr lang="es-CO" dirty="0" err="1" smtClean="0"/>
+              <a:t>a+b</a:t>
+            </a:r>
+            <a:r>
+              <a:rPr lang="es-CO" dirty="0" smtClean="0"/>
+              <a:t>;</a:t>
+            </a:r>
+            <a:endParaRPr lang="es-CO" dirty="0"/>
+          </a:p>
+          <a:p>
+            <a:r>
+              <a:rPr lang="es-CO" dirty="0"/>
+              <a:t>}</a:t>
+            </a:r>
+          </a:p>
+        </p:txBody>
+      </p:sp>
+    </p:spTree>
+    <p:extLst>
+      <p:ext uri="{BB962C8B-B14F-4D97-AF65-F5344CB8AC3E}">
+        <p14:creationId xmlns:p14="http://schemas.microsoft.com/office/powerpoint/2010/main" val="1378169805"/>
       </p:ext>
     </p:extLst>
   </p:cSld>
